--- a/LAB2.pptx
+++ b/LAB2.pptx
@@ -675,7 +675,7 @@
       </p:grpSpPr>
       <p:sp>
         <p:nvSpPr>
-          <p:cNvPr id="2" name="Slide Image Placeholder 1"/>
+          <p:cNvPr id="2" name="Zástupný symbol pro obrázek snímku 1"/>
           <p:cNvSpPr>
             <a:spLocks noGrp="1" noRot="1" noChangeAspect="1"/>
           </p:cNvSpPr>
@@ -687,7 +687,7 @@
       </p:sp>
       <p:sp>
         <p:nvSpPr>
-          <p:cNvPr id="3" name="Notes Placeholder 2"/>
+          <p:cNvPr id="3" name="Zástupný symbol pro poznámky 2"/>
           <p:cNvSpPr>
             <a:spLocks noGrp="1"/>
           </p:cNvSpPr>
@@ -700,18 +700,18 @@
           <a:bodyPr/>
           <a:lstStyle/>
           <a:p>
-            <a:endParaRPr lang="en-US" baseline="0" dirty="0"/>
-          </a:p>
-        </p:txBody>
-      </p:sp>
-      <p:sp>
-        <p:nvSpPr>
-          <p:cNvPr id="4" name="Slide Number Placeholder 3"/>
-          <p:cNvSpPr>
-            <a:spLocks noGrp="1"/>
-          </p:cNvSpPr>
-          <p:nvPr>
-            <p:ph type="sldNum" sz="quarter" idx="10"/>
+            <a:endParaRPr lang="en-GB" dirty="0"/>
+          </a:p>
+        </p:txBody>
+      </p:sp>
+      <p:sp>
+        <p:nvSpPr>
+          <p:cNvPr id="4" name="Zástupný symbol pro číslo snímku 3"/>
+          <p:cNvSpPr>
+            <a:spLocks noGrp="1"/>
+          </p:cNvSpPr>
+          <p:nvPr>
+            <p:ph type="sldNum" sz="quarter" idx="5"/>
           </p:nvPr>
         </p:nvSpPr>
         <p:spPr/>
@@ -722,7 +722,7 @@
             <a:fld id="{F535F173-C1DD-4975-94BF-5B9ED67F7674}" type="slidenum">
               <a:rPr lang="en-US" smtClean="0"/>
               <a:pPr/>
-              <a:t>3</a:t>
+              <a:t>1</a:t>
             </a:fld>
             <a:endParaRPr lang="en-US"/>
           </a:p>
@@ -731,7 +731,7 @@
     </p:spTree>
     <p:extLst>
       <p:ext uri="{BB962C8B-B14F-4D97-AF65-F5344CB8AC3E}">
-        <p14:creationId xmlns:p14="http://schemas.microsoft.com/office/powerpoint/2010/main" val="1355792998"/>
+        <p14:creationId xmlns:p14="http://schemas.microsoft.com/office/powerpoint/2010/main" val="4267950833"/>
       </p:ext>
     </p:extLst>
   </p:cSld>
@@ -807,7 +807,7 @@
             <a:fld id="{F535F173-C1DD-4975-94BF-5B9ED67F7674}" type="slidenum">
               <a:rPr lang="en-US" smtClean="0"/>
               <a:pPr/>
-              <a:t>5</a:t>
+              <a:t>3</a:t>
             </a:fld>
             <a:endParaRPr lang="en-US"/>
           </a:p>
@@ -870,7 +870,10 @@
           <a:bodyPr/>
           <a:lstStyle/>
           <a:p>
-            <a:endParaRPr lang="en-US" baseline="0" dirty="0"/>
+            <a:r>
+              <a:rPr lang="en-US" baseline="0" dirty="0"/>
+              <a:t>Possible problems with </a:t>
+            </a:r>
           </a:p>
         </p:txBody>
       </p:sp>
@@ -892,7 +895,7 @@
             <a:fld id="{F535F173-C1DD-4975-94BF-5B9ED67F7674}" type="slidenum">
               <a:rPr lang="en-US" smtClean="0"/>
               <a:pPr/>
-              <a:t>7</a:t>
+              <a:t>5</a:t>
             </a:fld>
             <a:endParaRPr lang="en-US"/>
           </a:p>
@@ -956,6 +959,94 @@
           <a:lstStyle/>
           <a:p>
             <a:endParaRPr lang="en-US" baseline="0" dirty="0"/>
+          </a:p>
+        </p:txBody>
+      </p:sp>
+      <p:sp>
+        <p:nvSpPr>
+          <p:cNvPr id="4" name="Slide Number Placeholder 3"/>
+          <p:cNvSpPr>
+            <a:spLocks noGrp="1"/>
+          </p:cNvSpPr>
+          <p:nvPr>
+            <p:ph type="sldNum" sz="quarter" idx="10"/>
+          </p:nvPr>
+        </p:nvSpPr>
+        <p:spPr/>
+        <p:txBody>
+          <a:bodyPr/>
+          <a:lstStyle/>
+          <a:p>
+            <a:fld id="{F535F173-C1DD-4975-94BF-5B9ED67F7674}" type="slidenum">
+              <a:rPr lang="en-US" smtClean="0"/>
+              <a:pPr/>
+              <a:t>7</a:t>
+            </a:fld>
+            <a:endParaRPr lang="en-US"/>
+          </a:p>
+        </p:txBody>
+      </p:sp>
+    </p:spTree>
+    <p:extLst>
+      <p:ext uri="{BB962C8B-B14F-4D97-AF65-F5344CB8AC3E}">
+        <p14:creationId xmlns:p14="http://schemas.microsoft.com/office/powerpoint/2010/main" val="1355792998"/>
+      </p:ext>
+    </p:extLst>
+  </p:cSld>
+  <p:clrMapOvr>
+    <a:masterClrMapping/>
+  </p:clrMapOvr>
+</p:notes>
+</file>
+
+<file path=ppt/notesSlides/notesSlide5.xml><?xml version="1.0" encoding="utf-8"?>
+<p:notes xmlns:a="http://schemas.openxmlformats.org/drawingml/2006/main" xmlns:r="http://schemas.openxmlformats.org/officeDocument/2006/relationships" xmlns:p="http://schemas.openxmlformats.org/presentationml/2006/main">
+  <p:cSld>
+    <p:spTree>
+      <p:nvGrpSpPr>
+        <p:cNvPr id="1" name=""/>
+        <p:cNvGrpSpPr/>
+        <p:nvPr/>
+      </p:nvGrpSpPr>
+      <p:grpSpPr>
+        <a:xfrm>
+          <a:off x="0" y="0"/>
+          <a:ext cx="0" cy="0"/>
+          <a:chOff x="0" y="0"/>
+          <a:chExt cx="0" cy="0"/>
+        </a:xfrm>
+      </p:grpSpPr>
+      <p:sp>
+        <p:nvSpPr>
+          <p:cNvPr id="2" name="Slide Image Placeholder 1"/>
+          <p:cNvSpPr>
+            <a:spLocks noGrp="1" noRot="1" noChangeAspect="1"/>
+          </p:cNvSpPr>
+          <p:nvPr>
+            <p:ph type="sldImg"/>
+          </p:nvPr>
+        </p:nvSpPr>
+        <p:spPr/>
+      </p:sp>
+      <p:sp>
+        <p:nvSpPr>
+          <p:cNvPr id="3" name="Notes Placeholder 2"/>
+          <p:cNvSpPr>
+            <a:spLocks noGrp="1"/>
+          </p:cNvSpPr>
+          <p:nvPr>
+            <p:ph type="body" idx="1"/>
+          </p:nvPr>
+        </p:nvSpPr>
+        <p:spPr/>
+        <p:txBody>
+          <a:bodyPr/>
+          <a:lstStyle/>
+          <a:p>
+            <a:r>
+              <a:rPr lang="en-US" sz="3600" baseline="0" dirty="0"/>
+              <a:t>The start date, end date, degree type (comp. sci, architecture), bachelor/master/teacher degree, target/origin country + city</a:t>
+            </a:r>
           </a:p>
         </p:txBody>
       </p:sp>
@@ -3211,49 +3302,16 @@
           <a:p>
             <a:pPr algn="ctr"/>
             <a:r>
-              <a:rPr lang="pt-PT" sz="4800" b="1" dirty="0" err="1"/>
-              <a:t>Information</a:t>
-            </a:r>
-            <a:r>
-              <a:rPr lang="pt-PT" sz="4800" b="1" dirty="0"/>
-              <a:t> </a:t>
-            </a:r>
-            <a:r>
-              <a:rPr lang="pt-PT" sz="4800" b="1" dirty="0" err="1"/>
-              <a:t>Visualization</a:t>
+              <a:rPr lang="en-GB" sz="4800" b="1" dirty="0"/>
+              <a:t>Information Visualization</a:t>
             </a:r>
             <a:br>
-              <a:rPr lang="pt-PT" sz="4800" b="1" dirty="0"/>
+              <a:rPr lang="en-GB" sz="4800" b="1" dirty="0"/>
             </a:br>
             <a:r>
-              <a:rPr lang="pt-PT" sz="4800" dirty="0" err="1"/>
-              <a:t>Project</a:t>
-            </a:r>
-            <a:r>
-              <a:rPr lang="pt-PT" sz="4800" dirty="0"/>
-              <a:t> </a:t>
-            </a:r>
-            <a:r>
-              <a:rPr lang="pt-PT" sz="4800" dirty="0" err="1"/>
-              <a:t>Proposal</a:t>
-            </a:r>
-            <a:r>
-              <a:rPr lang="pt-PT" sz="4800" dirty="0"/>
-              <a:t> </a:t>
-            </a:r>
-            <a:r>
-              <a:rPr lang="pt-PT" sz="4800" dirty="0" err="1"/>
-              <a:t>and</a:t>
-            </a:r>
-            <a:r>
-              <a:rPr lang="pt-PT" sz="4800" dirty="0"/>
-              <a:t> </a:t>
-            </a:r>
-            <a:r>
-              <a:rPr lang="pt-PT" sz="4800" dirty="0" err="1"/>
-              <a:t>Dataset</a:t>
-            </a:r>
-            <a:endParaRPr lang="pt-PT" sz="4800" dirty="0"/>
+              <a:rPr lang="en-GB" sz="4800" dirty="0"/>
+              <a:t>Project Proposal and Dataset</a:t>
+            </a:r>
           </a:p>
         </p:txBody>
       </p:sp>
@@ -3314,8 +3372,8 @@
         </p:nvSpPr>
         <p:spPr>
           <a:xfrm>
-            <a:off x="1580966" y="4618550"/>
-            <a:ext cx="4503202" cy="2286016"/>
+            <a:off x="1547664" y="5085184"/>
+            <a:ext cx="4569806" cy="1368152"/>
           </a:xfrm>
           <a:prstGeom prst="rect">
             <a:avLst/>
@@ -3328,7 +3386,7 @@
           </a:ln>
         </p:spPr>
         <p:txBody>
-          <a:bodyPr vert="horz" lIns="91440" tIns="45720" rIns="91440" bIns="45720" rtlCol="0" anchor="ctr">
+          <a:bodyPr vert="horz" lIns="91440" tIns="45720" rIns="91440" bIns="45720" rtlCol="0" anchor="t">
             <a:noAutofit/>
           </a:bodyPr>
           <a:lstStyle>
@@ -3494,14 +3552,13 @@
               </a:rPr>
               <a:t>Matyáš Skalický</a:t>
             </a:r>
-            <a:endParaRPr lang="pt-PT" sz="2400" b="0" dirty="0">
-              <a:solidFill>
-                <a:schemeClr val="bg2"/>
-              </a:solidFill>
-            </a:endParaRPr>
-          </a:p>
-          <a:p>
-            <a:pPr algn="l"/>
+            <a:br>
+              <a:rPr lang="pt-PT" sz="2400" b="0" dirty="0">
+                <a:solidFill>
+                  <a:schemeClr val="bg2"/>
+                </a:solidFill>
+              </a:rPr>
+            </a:br>
             <a:r>
               <a:rPr lang="cs-CZ" sz="2400" b="0" dirty="0">
                 <a:solidFill>
@@ -3526,14 +3583,13 @@
               </a:rPr>
               <a:t>Lenka Obermajerová</a:t>
             </a:r>
-            <a:endParaRPr lang="pt-PT" sz="2400" b="0" dirty="0">
-              <a:solidFill>
-                <a:schemeClr val="bg2"/>
-              </a:solidFill>
-            </a:endParaRPr>
-          </a:p>
-          <a:p>
-            <a:pPr algn="l"/>
+            <a:br>
+              <a:rPr lang="pt-PT" sz="2400" b="0" dirty="0">
+                <a:solidFill>
+                  <a:schemeClr val="bg2"/>
+                </a:solidFill>
+              </a:rPr>
+            </a:br>
             <a:r>
               <a:rPr lang="cs-CZ" sz="2400" b="0" dirty="0">
                 <a:solidFill>
@@ -3638,114 +3694,12 @@
           </a:p>
         </p:txBody>
       </p:sp>
-      <p:sp>
-        <p:nvSpPr>
-          <p:cNvPr id="3" name="Content Placeholder 2"/>
-          <p:cNvSpPr>
-            <a:spLocks noGrp="1"/>
-          </p:cNvSpPr>
-          <p:nvPr>
-            <p:ph idx="1"/>
-          </p:nvPr>
-        </p:nvSpPr>
-        <p:spPr>
-          <a:xfrm>
-            <a:off x="457200" y="1094346"/>
-            <a:ext cx="8229600" cy="5214974"/>
-          </a:xfrm>
-        </p:spPr>
-        <p:txBody>
-          <a:bodyPr>
-            <a:noAutofit/>
-          </a:bodyPr>
-          <a:lstStyle/>
-          <a:p>
-            <a:pPr>
-              <a:spcBef>
-                <a:spcPts val="0"/>
-              </a:spcBef>
-            </a:pPr>
-            <a:r>
-              <a:rPr lang="pt-PT" sz="2000" dirty="0">
-                <a:solidFill>
-                  <a:schemeClr val="tx1"/>
-                </a:solidFill>
-                <a:latin typeface="Courier New" panose="02070309020205020404" pitchFamily="49" charset="0"/>
-                <a:cs typeface="Courier New" panose="02070309020205020404" pitchFamily="49" charset="0"/>
-              </a:rPr>
-              <a:t>(</a:t>
-            </a:r>
-            <a:r>
-              <a:rPr lang="pt-PT" sz="2000" dirty="0" err="1">
-                <a:solidFill>
-                  <a:schemeClr val="tx1"/>
-                </a:solidFill>
-                <a:latin typeface="Courier New" panose="02070309020205020404" pitchFamily="49" charset="0"/>
-                <a:cs typeface="Courier New" panose="02070309020205020404" pitchFamily="49" charset="0"/>
-              </a:rPr>
-              <a:t>from</a:t>
-            </a:r>
-            <a:r>
-              <a:rPr lang="pt-PT" sz="2000" dirty="0">
-                <a:solidFill>
-                  <a:schemeClr val="tx1"/>
-                </a:solidFill>
-                <a:latin typeface="Courier New" panose="02070309020205020404" pitchFamily="49" charset="0"/>
-                <a:cs typeface="Courier New" panose="02070309020205020404" pitchFamily="49" charset="0"/>
-              </a:rPr>
-              <a:t> Student_Mobility_2013-14.xlsx)</a:t>
-            </a:r>
-          </a:p>
-          <a:p>
-            <a:pPr>
-              <a:spcBef>
-                <a:spcPts val="0"/>
-              </a:spcBef>
-            </a:pPr>
-            <a:endParaRPr lang="pt-PT" sz="2800" dirty="0">
-              <a:solidFill>
-                <a:schemeClr val="tx1"/>
-              </a:solidFill>
-              <a:latin typeface="Courier New" panose="02070309020205020404" pitchFamily="49" charset="0"/>
-              <a:cs typeface="Courier New" panose="02070309020205020404" pitchFamily="49" charset="0"/>
-            </a:endParaRPr>
-          </a:p>
-          <a:p>
-            <a:pPr>
-              <a:spcBef>
-                <a:spcPts val="0"/>
-              </a:spcBef>
-            </a:pPr>
-            <a:endParaRPr lang="pt-PT" sz="2800" dirty="0">
-              <a:solidFill>
-                <a:schemeClr val="tx1"/>
-              </a:solidFill>
-              <a:latin typeface="Courier New" panose="02070309020205020404" pitchFamily="49" charset="0"/>
-              <a:cs typeface="Courier New" panose="02070309020205020404" pitchFamily="49" charset="0"/>
-            </a:endParaRPr>
-          </a:p>
-          <a:p>
-            <a:pPr>
-              <a:spcBef>
-                <a:spcPts val="0"/>
-              </a:spcBef>
-            </a:pPr>
-            <a:endParaRPr lang="pt-PT" sz="2800" dirty="0">
-              <a:solidFill>
-                <a:schemeClr val="tx1"/>
-              </a:solidFill>
-              <a:latin typeface="Courier New" panose="02070309020205020404" pitchFamily="49" charset="0"/>
-              <a:cs typeface="Courier New" panose="02070309020205020404" pitchFamily="49" charset="0"/>
-            </a:endParaRPr>
-          </a:p>
-        </p:txBody>
-      </p:sp>
       <p:pic>
         <p:nvPicPr>
-          <p:cNvPr id="4" name="Picture 3">
+          <p:cNvPr id="7" name="Obrázek 6">
             <a:extLst>
               <a:ext uri="{FF2B5EF4-FFF2-40B4-BE49-F238E27FC236}">
-                <a16:creationId xmlns:a16="http://schemas.microsoft.com/office/drawing/2014/main" id="{B0468F15-7F44-6548-BF9F-73E28CA2DC14}"/>
+                <a16:creationId xmlns:a16="http://schemas.microsoft.com/office/drawing/2014/main" id="{81E1A3FC-AB5F-A44B-AB60-0B974F663487}"/>
               </a:ext>
             </a:extLst>
           </p:cNvPr>
@@ -3754,46 +3708,21 @@
           </p:cNvPicPr>
           <p:nvPr/>
         </p:nvPicPr>
-        <p:blipFill>
-          <a:blip r:embed="rId3"/>
-          <a:stretch>
-            <a:fillRect/>
-          </a:stretch>
+        <p:blipFill rotWithShape="1">
+          <a:blip r:embed="rId3">
+            <a:extLst>
+              <a:ext uri="{28A0092B-C50C-407E-A947-70E740481C1C}">
+                <a14:useLocalDpi xmlns:a14="http://schemas.microsoft.com/office/drawing/2010/main" val="0"/>
+              </a:ext>
+            </a:extLst>
+          </a:blip>
+          <a:srcRect l="22982" t="13203" r="19999" b="13203"/>
+          <a:stretch/>
         </p:blipFill>
         <p:spPr>
-          <a:xfrm>
-            <a:off x="0" y="2122854"/>
-            <a:ext cx="8966200" cy="558800"/>
-          </a:xfrm>
-          <a:prstGeom prst="rect">
-            <a:avLst/>
-          </a:prstGeom>
-        </p:spPr>
-      </p:pic>
-      <p:pic>
-        <p:nvPicPr>
-          <p:cNvPr id="5" name="Picture 4">
-            <a:extLst>
-              <a:ext uri="{FF2B5EF4-FFF2-40B4-BE49-F238E27FC236}">
-                <a16:creationId xmlns:a16="http://schemas.microsoft.com/office/drawing/2014/main" id="{23593C7F-815B-3842-BA1E-9A18BF9934F0}"/>
-              </a:ext>
-            </a:extLst>
-          </p:cNvPr>
-          <p:cNvPicPr>
-            <a:picLocks noChangeAspect="1"/>
-          </p:cNvPicPr>
-          <p:nvPr/>
-        </p:nvPicPr>
-        <p:blipFill>
-          <a:blip r:embed="rId4"/>
-          <a:stretch>
-            <a:fillRect/>
-          </a:stretch>
-        </p:blipFill>
-        <p:spPr>
-          <a:xfrm>
-            <a:off x="457200" y="3284984"/>
-            <a:ext cx="6249376" cy="2887703"/>
+          <a:xfrm rot="5400000">
+            <a:off x="1964513" y="-551115"/>
+            <a:ext cx="5214974" cy="8710708"/>
           </a:xfrm>
           <a:prstGeom prst="rect">
             <a:avLst/>
@@ -3977,7 +3906,7 @@
           <a:lstStyle/>
           <a:p>
             <a:r>
-              <a:rPr lang="en-US" sz="4000" dirty="0"/>
+              <a:rPr lang="en-GB" sz="4000" dirty="0"/>
               <a:t>High level description</a:t>
             </a:r>
           </a:p>
@@ -3988,9 +3917,8 @@
             </a:pPr>
             <a:r>
               <a:rPr lang="en-GB" sz="3600" dirty="0"/>
-              <a:t>reasons why students pick their ERASMUS destination</a:t>
-            </a:r>
-            <a:endParaRPr lang="cs-CZ" sz="3600" dirty="0"/>
+              <a:t>what destination do ERASMUS students pick? What is the flow?</a:t>
+            </a:r>
           </a:p>
           <a:p>
             <a:pPr marL="1028700" lvl="1" indent="-571500">
@@ -3999,17 +3927,8 @@
             </a:pPr>
             <a:r>
               <a:rPr lang="en-GB" sz="3600" dirty="0"/>
-              <a:t>help </a:t>
-            </a:r>
-            <a:r>
-              <a:rPr lang="cs-CZ" sz="3600" dirty="0"/>
-              <a:t>to </a:t>
-            </a:r>
-            <a:r>
-              <a:rPr lang="en-GB" sz="3600" dirty="0"/>
-              <a:t>future ERASMUS students to decide which country is the best for them</a:t>
-            </a:r>
-            <a:endParaRPr lang="cs-CZ" sz="3600" dirty="0"/>
+              <a:t>help future ERASMUS students to decide with country selection</a:t>
+            </a:r>
           </a:p>
           <a:p>
             <a:pPr marL="1028700" lvl="1" indent="-571500">
@@ -4018,17 +3937,9 @@
             </a:pPr>
             <a:r>
               <a:rPr lang="en-GB" sz="3600" dirty="0"/>
-              <a:t>useful for schools and countries which participate in the ERASMUS </a:t>
-            </a:r>
-            <a:r>
-              <a:rPr lang="en-GB" sz="3600" dirty="0" err="1"/>
-              <a:t>progra</a:t>
-            </a:r>
-            <a:r>
-              <a:rPr lang="cs-CZ" sz="3600" dirty="0"/>
-              <a:t>m</a:t>
-            </a:r>
-            <a:endParaRPr lang="en-US" sz="4400" dirty="0"/>
+              <a:t>useful for schools and countries which participate in the ERASMUS programme</a:t>
+            </a:r>
+            <a:endParaRPr lang="en-GB" sz="4400" dirty="0"/>
           </a:p>
         </p:txBody>
       </p:sp>
@@ -4214,22 +4125,58 @@
             </a:r>
           </a:p>
           <a:p>
-            <a:pPr lvl="1"/>
+            <a:pPr marL="1028700" lvl="1" indent="-571500">
+              <a:buFont typeface="Arial" panose="020B0604020202020204" pitchFamily="34" charset="0"/>
+              <a:buChar char="•"/>
+            </a:pPr>
             <a:r>
               <a:rPr lang="en-US" sz="3600" dirty="0"/>
-              <a:t>Which dataset?</a:t>
-            </a:r>
-          </a:p>
-          <a:p>
-            <a:pPr lvl="1"/>
+              <a:t>available from </a:t>
+            </a:r>
+            <a:r>
+              <a:rPr lang="en-US" sz="3600" b="1" dirty="0"/>
+              <a:t>EU Open Data Portal</a:t>
+            </a:r>
+          </a:p>
+          <a:p>
+            <a:pPr marL="1028700" lvl="1" indent="-571500">
+              <a:buFont typeface="Arial" panose="020B0604020202020204" pitchFamily="34" charset="0"/>
+              <a:buChar char="•"/>
+            </a:pPr>
             <a:r>
               <a:rPr lang="en-US" sz="3600" dirty="0"/>
-              <a:t>How will you obtain the data?</a:t>
-            </a:r>
-          </a:p>
-          <a:p>
-            <a:pPr lvl="1"/>
-            <a:endParaRPr lang="en-US" dirty="0"/>
+              <a:t>one record for each participant </a:t>
+            </a:r>
+          </a:p>
+          <a:p>
+            <a:pPr marL="1428750" lvl="2" indent="-571500">
+              <a:buFont typeface="Arial" panose="020B0604020202020204" pitchFamily="34" charset="0"/>
+              <a:buChar char="•"/>
+            </a:pPr>
+            <a:r>
+              <a:rPr lang="en-US" sz="3200" dirty="0"/>
+              <a:t>272 497 records in 2014</a:t>
+            </a:r>
+          </a:p>
+          <a:p>
+            <a:pPr marL="1028700" lvl="1" indent="-571500">
+              <a:buFont typeface="Arial" panose="020B0604020202020204" pitchFamily="34" charset="0"/>
+              <a:buChar char="•"/>
+            </a:pPr>
+            <a:r>
+              <a:rPr lang="en-US" sz="3600" dirty="0"/>
+              <a:t>years available 2009 - 2014</a:t>
+            </a:r>
+          </a:p>
+          <a:p>
+            <a:pPr marL="1028700" lvl="1" indent="-571500">
+              <a:buFont typeface="Arial" panose="020B0604020202020204" pitchFamily="34" charset="0"/>
+              <a:buChar char="•"/>
+            </a:pPr>
+            <a:r>
+              <a:rPr lang="en-US" sz="3600" dirty="0"/>
+              <a:t>degree, gender, source and destination country, city, language and more</a:t>
+            </a:r>
           </a:p>
         </p:txBody>
       </p:sp>
@@ -4333,12 +4280,8 @@
           <a:p>
             <a:pPr marL="0" algn="r"/>
             <a:r>
-              <a:rPr lang="pt-PT" sz="6000" dirty="0" err="1"/>
-              <a:t>Example</a:t>
-            </a:r>
-            <a:r>
-              <a:rPr lang="pt-PT" sz="6000" dirty="0"/>
-              <a:t> QUESTIONS</a:t>
+              <a:rPr lang="en-GB" sz="6000" dirty="0"/>
+              <a:t>Example QUESTIONS</a:t>
             </a:r>
           </a:p>
         </p:txBody>
@@ -4425,7 +4368,7 @@
             </a:r>
             <a:r>
               <a:rPr lang="en-GB" sz="3600" dirty="0"/>
-              <a:t>Which countries are popular for being an Erasmus destination? Is there any difference between bachelor and master degrees?</a:t>
+              <a:t>Which countries are popular as Erasmus destination? Is there any difference between bachelor and master degrees?</a:t>
             </a:r>
             <a:endParaRPr lang="cs-CZ" sz="3600" dirty="0"/>
           </a:p>
@@ -4464,6 +4407,183 @@
   <p:clrMapOvr>
     <a:masterClrMapping/>
   </p:clrMapOvr>
+  <p:timing>
+    <p:tnLst>
+      <p:par>
+        <p:cTn id="1" dur="indefinite" restart="never" nodeType="tmRoot">
+          <p:childTnLst>
+            <p:seq concurrent="1" nextAc="seek">
+              <p:cTn id="2" dur="indefinite" nodeType="mainSeq">
+                <p:childTnLst>
+                  <p:par>
+                    <p:cTn id="3" fill="hold">
+                      <p:stCondLst>
+                        <p:cond delay="indefinite"/>
+                      </p:stCondLst>
+                      <p:childTnLst>
+                        <p:par>
+                          <p:cTn id="4" fill="hold">
+                            <p:stCondLst>
+                              <p:cond delay="0"/>
+                            </p:stCondLst>
+                            <p:childTnLst>
+                              <p:par>
+                                <p:cTn id="5" presetID="1" presetClass="entr" presetSubtype="0" fill="hold" nodeType="clickEffect">
+                                  <p:stCondLst>
+                                    <p:cond delay="0"/>
+                                  </p:stCondLst>
+                                  <p:childTnLst>
+                                    <p:set>
+                                      <p:cBhvr>
+                                        <p:cTn id="6" dur="1" fill="hold">
+                                          <p:stCondLst>
+                                            <p:cond delay="0"/>
+                                          </p:stCondLst>
+                                        </p:cTn>
+                                        <p:tgtEl>
+                                          <p:spTgt spid="3">
+                                            <p:txEl>
+                                              <p:pRg st="0" end="0"/>
+                                            </p:txEl>
+                                          </p:spTgt>
+                                        </p:tgtEl>
+                                        <p:attrNameLst>
+                                          <p:attrName>style.visibility</p:attrName>
+                                        </p:attrNameLst>
+                                      </p:cBhvr>
+                                      <p:to>
+                                        <p:strVal val="visible"/>
+                                      </p:to>
+                                    </p:set>
+                                  </p:childTnLst>
+                                </p:cTn>
+                              </p:par>
+                            </p:childTnLst>
+                          </p:cTn>
+                        </p:par>
+                      </p:childTnLst>
+                    </p:cTn>
+                  </p:par>
+                  <p:par>
+                    <p:cTn id="7" fill="hold">
+                      <p:stCondLst>
+                        <p:cond delay="indefinite"/>
+                      </p:stCondLst>
+                      <p:childTnLst>
+                        <p:par>
+                          <p:cTn id="8" fill="hold">
+                            <p:stCondLst>
+                              <p:cond delay="0"/>
+                            </p:stCondLst>
+                            <p:childTnLst>
+                              <p:par>
+                                <p:cTn id="9" presetID="1" presetClass="entr" presetSubtype="0" fill="hold" nodeType="clickEffect">
+                                  <p:stCondLst>
+                                    <p:cond delay="0"/>
+                                  </p:stCondLst>
+                                  <p:childTnLst>
+                                    <p:set>
+                                      <p:cBhvr>
+                                        <p:cTn id="10" dur="1" fill="hold">
+                                          <p:stCondLst>
+                                            <p:cond delay="0"/>
+                                          </p:stCondLst>
+                                        </p:cTn>
+                                        <p:tgtEl>
+                                          <p:spTgt spid="3">
+                                            <p:txEl>
+                                              <p:pRg st="1" end="1"/>
+                                            </p:txEl>
+                                          </p:spTgt>
+                                        </p:tgtEl>
+                                        <p:attrNameLst>
+                                          <p:attrName>style.visibility</p:attrName>
+                                        </p:attrNameLst>
+                                      </p:cBhvr>
+                                      <p:to>
+                                        <p:strVal val="visible"/>
+                                      </p:to>
+                                    </p:set>
+                                  </p:childTnLst>
+                                </p:cTn>
+                              </p:par>
+                            </p:childTnLst>
+                          </p:cTn>
+                        </p:par>
+                      </p:childTnLst>
+                    </p:cTn>
+                  </p:par>
+                  <p:par>
+                    <p:cTn id="11" fill="hold">
+                      <p:stCondLst>
+                        <p:cond delay="indefinite"/>
+                      </p:stCondLst>
+                      <p:childTnLst>
+                        <p:par>
+                          <p:cTn id="12" fill="hold">
+                            <p:stCondLst>
+                              <p:cond delay="0"/>
+                            </p:stCondLst>
+                            <p:childTnLst>
+                              <p:par>
+                                <p:cTn id="13" presetID="1" presetClass="entr" presetSubtype="0" fill="hold" nodeType="clickEffect">
+                                  <p:stCondLst>
+                                    <p:cond delay="0"/>
+                                  </p:stCondLst>
+                                  <p:childTnLst>
+                                    <p:set>
+                                      <p:cBhvr>
+                                        <p:cTn id="14" dur="1" fill="hold">
+                                          <p:stCondLst>
+                                            <p:cond delay="0"/>
+                                          </p:stCondLst>
+                                        </p:cTn>
+                                        <p:tgtEl>
+                                          <p:spTgt spid="3">
+                                            <p:txEl>
+                                              <p:pRg st="2" end="2"/>
+                                            </p:txEl>
+                                          </p:spTgt>
+                                        </p:tgtEl>
+                                        <p:attrNameLst>
+                                          <p:attrName>style.visibility</p:attrName>
+                                        </p:attrNameLst>
+                                      </p:cBhvr>
+                                      <p:to>
+                                        <p:strVal val="visible"/>
+                                      </p:to>
+                                    </p:set>
+                                  </p:childTnLst>
+                                </p:cTn>
+                              </p:par>
+                            </p:childTnLst>
+                          </p:cTn>
+                        </p:par>
+                      </p:childTnLst>
+                    </p:cTn>
+                  </p:par>
+                </p:childTnLst>
+              </p:cTn>
+              <p:prevCondLst>
+                <p:cond evt="onPrev" delay="0">
+                  <p:tgtEl>
+                    <p:sldTgt/>
+                  </p:tgtEl>
+                </p:cond>
+              </p:prevCondLst>
+              <p:nextCondLst>
+                <p:cond evt="onNext" delay="0">
+                  <p:tgtEl>
+                    <p:sldTgt/>
+                  </p:tgtEl>
+                </p:cond>
+              </p:nextCondLst>
+            </p:seq>
+          </p:childTnLst>
+        </p:cTn>
+      </p:par>
+    </p:tnLst>
+  </p:timing>
 </p:sld>
 </file>
 
@@ -4505,7 +4625,11 @@
           <a:bodyPr/>
           <a:lstStyle/>
           <a:p>
-            <a:endParaRPr lang="cs-CZ"/>
+            <a:r>
+              <a:rPr lang="cs-CZ" dirty="0" err="1"/>
+              <a:t>Questions</a:t>
+            </a:r>
+            <a:endParaRPr lang="cs-CZ" dirty="0"/>
           </a:p>
         </p:txBody>
       </p:sp>
@@ -4536,7 +4660,7 @@
             </a:r>
             <a:r>
               <a:rPr lang="en-GB" sz="3600" dirty="0"/>
-              <a:t>How does difference in cost of living in home and Erasmus country effect the final selection?</a:t>
+              <a:t>Does difference in cost of living in home and Erasmus country effect the final selection?</a:t>
             </a:r>
             <a:endParaRPr lang="cs-CZ" sz="3600" dirty="0"/>
           </a:p>
@@ -4578,6 +4702,183 @@
   <p:clrMapOvr>
     <a:masterClrMapping/>
   </p:clrMapOvr>
+  <p:timing>
+    <p:tnLst>
+      <p:par>
+        <p:cTn id="1" dur="indefinite" restart="never" nodeType="tmRoot">
+          <p:childTnLst>
+            <p:seq concurrent="1" nextAc="seek">
+              <p:cTn id="2" dur="indefinite" nodeType="mainSeq">
+                <p:childTnLst>
+                  <p:par>
+                    <p:cTn id="3" fill="hold">
+                      <p:stCondLst>
+                        <p:cond delay="indefinite"/>
+                      </p:stCondLst>
+                      <p:childTnLst>
+                        <p:par>
+                          <p:cTn id="4" fill="hold">
+                            <p:stCondLst>
+                              <p:cond delay="0"/>
+                            </p:stCondLst>
+                            <p:childTnLst>
+                              <p:par>
+                                <p:cTn id="5" presetID="1" presetClass="entr" presetSubtype="0" fill="hold" nodeType="clickEffect">
+                                  <p:stCondLst>
+                                    <p:cond delay="0"/>
+                                  </p:stCondLst>
+                                  <p:childTnLst>
+                                    <p:set>
+                                      <p:cBhvr>
+                                        <p:cTn id="6" dur="1" fill="hold">
+                                          <p:stCondLst>
+                                            <p:cond delay="0"/>
+                                          </p:stCondLst>
+                                        </p:cTn>
+                                        <p:tgtEl>
+                                          <p:spTgt spid="3">
+                                            <p:txEl>
+                                              <p:pRg st="0" end="0"/>
+                                            </p:txEl>
+                                          </p:spTgt>
+                                        </p:tgtEl>
+                                        <p:attrNameLst>
+                                          <p:attrName>style.visibility</p:attrName>
+                                        </p:attrNameLst>
+                                      </p:cBhvr>
+                                      <p:to>
+                                        <p:strVal val="visible"/>
+                                      </p:to>
+                                    </p:set>
+                                  </p:childTnLst>
+                                </p:cTn>
+                              </p:par>
+                            </p:childTnLst>
+                          </p:cTn>
+                        </p:par>
+                      </p:childTnLst>
+                    </p:cTn>
+                  </p:par>
+                  <p:par>
+                    <p:cTn id="7" fill="hold">
+                      <p:stCondLst>
+                        <p:cond delay="indefinite"/>
+                      </p:stCondLst>
+                      <p:childTnLst>
+                        <p:par>
+                          <p:cTn id="8" fill="hold">
+                            <p:stCondLst>
+                              <p:cond delay="0"/>
+                            </p:stCondLst>
+                            <p:childTnLst>
+                              <p:par>
+                                <p:cTn id="9" presetID="1" presetClass="entr" presetSubtype="0" fill="hold" nodeType="clickEffect">
+                                  <p:stCondLst>
+                                    <p:cond delay="0"/>
+                                  </p:stCondLst>
+                                  <p:childTnLst>
+                                    <p:set>
+                                      <p:cBhvr>
+                                        <p:cTn id="10" dur="1" fill="hold">
+                                          <p:stCondLst>
+                                            <p:cond delay="0"/>
+                                          </p:stCondLst>
+                                        </p:cTn>
+                                        <p:tgtEl>
+                                          <p:spTgt spid="3">
+                                            <p:txEl>
+                                              <p:pRg st="1" end="1"/>
+                                            </p:txEl>
+                                          </p:spTgt>
+                                        </p:tgtEl>
+                                        <p:attrNameLst>
+                                          <p:attrName>style.visibility</p:attrName>
+                                        </p:attrNameLst>
+                                      </p:cBhvr>
+                                      <p:to>
+                                        <p:strVal val="visible"/>
+                                      </p:to>
+                                    </p:set>
+                                  </p:childTnLst>
+                                </p:cTn>
+                              </p:par>
+                            </p:childTnLst>
+                          </p:cTn>
+                        </p:par>
+                      </p:childTnLst>
+                    </p:cTn>
+                  </p:par>
+                  <p:par>
+                    <p:cTn id="11" fill="hold">
+                      <p:stCondLst>
+                        <p:cond delay="indefinite"/>
+                      </p:stCondLst>
+                      <p:childTnLst>
+                        <p:par>
+                          <p:cTn id="12" fill="hold">
+                            <p:stCondLst>
+                              <p:cond delay="0"/>
+                            </p:stCondLst>
+                            <p:childTnLst>
+                              <p:par>
+                                <p:cTn id="13" presetID="1" presetClass="entr" presetSubtype="0" fill="hold" nodeType="clickEffect">
+                                  <p:stCondLst>
+                                    <p:cond delay="0"/>
+                                  </p:stCondLst>
+                                  <p:childTnLst>
+                                    <p:set>
+                                      <p:cBhvr>
+                                        <p:cTn id="14" dur="1" fill="hold">
+                                          <p:stCondLst>
+                                            <p:cond delay="0"/>
+                                          </p:stCondLst>
+                                        </p:cTn>
+                                        <p:tgtEl>
+                                          <p:spTgt spid="3">
+                                            <p:txEl>
+                                              <p:pRg st="2" end="2"/>
+                                            </p:txEl>
+                                          </p:spTgt>
+                                        </p:tgtEl>
+                                        <p:attrNameLst>
+                                          <p:attrName>style.visibility</p:attrName>
+                                        </p:attrNameLst>
+                                      </p:cBhvr>
+                                      <p:to>
+                                        <p:strVal val="visible"/>
+                                      </p:to>
+                                    </p:set>
+                                  </p:childTnLst>
+                                </p:cTn>
+                              </p:par>
+                            </p:childTnLst>
+                          </p:cTn>
+                        </p:par>
+                      </p:childTnLst>
+                    </p:cTn>
+                  </p:par>
+                </p:childTnLst>
+              </p:cTn>
+              <p:prevCondLst>
+                <p:cond evt="onPrev" delay="0">
+                  <p:tgtEl>
+                    <p:sldTgt/>
+                  </p:tgtEl>
+                </p:cond>
+              </p:prevCondLst>
+              <p:nextCondLst>
+                <p:cond evt="onNext" delay="0">
+                  <p:tgtEl>
+                    <p:sldTgt/>
+                  </p:tgtEl>
+                </p:cond>
+              </p:nextCondLst>
+            </p:seq>
+          </p:childTnLst>
+        </p:cTn>
+      </p:par>
+    </p:tnLst>
+  </p:timing>
 </p:sld>
 </file>
 
